--- a/unity/unity.pptx
+++ b/unity/unity.pptx
@@ -15,14 +15,16 @@
     <p:sldId id="263" r:id="rId9"/>
     <p:sldId id="264" r:id="rId10"/>
     <p:sldId id="265" r:id="rId11"/>
-    <p:sldId id="267" r:id="rId12"/>
-    <p:sldId id="266" r:id="rId13"/>
-    <p:sldId id="268" r:id="rId14"/>
-    <p:sldId id="269" r:id="rId15"/>
-    <p:sldId id="270" r:id="rId16"/>
-    <p:sldId id="271" r:id="rId17"/>
-    <p:sldId id="272" r:id="rId18"/>
-    <p:sldId id="273" r:id="rId19"/>
+    <p:sldId id="266" r:id="rId12"/>
+    <p:sldId id="275" r:id="rId13"/>
+    <p:sldId id="276" r:id="rId14"/>
+    <p:sldId id="268" r:id="rId15"/>
+    <p:sldId id="269" r:id="rId16"/>
+    <p:sldId id="270" r:id="rId17"/>
+    <p:sldId id="271" r:id="rId18"/>
+    <p:sldId id="272" r:id="rId19"/>
+    <p:sldId id="273" r:id="rId20"/>
+    <p:sldId id="274" r:id="rId21"/>
   </p:sldIdLst>
   <p:sldSz cx="9144000" cy="6858000" type="screen4x3"/>
   <p:notesSz cx="6858000" cy="9144000"/>
@@ -5194,283 +5196,6 @@
           <a:lstStyle/>
           <a:p>
             <a:r>
-              <a:rPr lang="en-US" b="1" smtClean="0"/>
-              <a:t>Các đối tượng cơ bản</a:t>
-            </a:r>
-            <a:endParaRPr lang="en-US"/>
-          </a:p>
-        </p:txBody>
-      </p:sp>
-      <p:sp>
-        <p:nvSpPr>
-          <p:cNvPr id="3" name="Content Placeholder 2"/>
-          <p:cNvSpPr>
-            <a:spLocks noGrp="1"/>
-          </p:cNvSpPr>
-          <p:nvPr>
-            <p:ph idx="1"/>
-          </p:nvPr>
-        </p:nvSpPr>
-        <p:spPr>
-          <a:xfrm>
-            <a:off x="381002" y="1066800"/>
-            <a:ext cx="6488000" cy="3962400"/>
-          </a:xfrm>
-        </p:spPr>
-        <p:txBody>
-          <a:bodyPr>
-            <a:normAutofit/>
-          </a:bodyPr>
-          <a:lstStyle/>
-          <a:p>
-            <a:pPr marL="0" indent="0"/>
-            <a:r>
-              <a:rPr lang="en-US" b="0" smtClean="0">
-                <a:latin typeface="Times New Roman" pitchFamily="18" charset="0"/>
-                <a:cs typeface="Times New Roman" pitchFamily="18" charset="0"/>
-              </a:rPr>
-              <a:t>6. Animation</a:t>
-            </a:r>
-            <a:br>
-              <a:rPr lang="en-US" b="0" smtClean="0">
-                <a:latin typeface="Times New Roman" pitchFamily="18" charset="0"/>
-                <a:cs typeface="Times New Roman" pitchFamily="18" charset="0"/>
-              </a:rPr>
-            </a:br>
-            <a:r>
-              <a:rPr lang="en-US" b="0" smtClean="0">
-                <a:latin typeface="Times New Roman" pitchFamily="18" charset="0"/>
-                <a:cs typeface="Times New Roman" pitchFamily="18" charset="0"/>
-              </a:rPr>
-              <a:t>Là một hình ảnh động mô tat đối tượng nào đó trong game.</a:t>
-            </a:r>
-          </a:p>
-          <a:p>
-            <a:pPr marL="0" indent="0"/>
-            <a:r>
-              <a:rPr lang="en-US" b="0" smtClean="0">
-                <a:latin typeface="Times New Roman" pitchFamily="18" charset="0"/>
-                <a:cs typeface="Times New Roman" pitchFamily="18" charset="0"/>
-              </a:rPr>
-              <a:t>Có 2 kỹ thuật tạo animation : </a:t>
-            </a:r>
-            <a:r>
-              <a:rPr lang="en-US"/>
-              <a:t>thuật key frame và kỹ thuật skeletal </a:t>
-            </a:r>
-            <a:r>
-              <a:rPr lang="en-US"/>
-              <a:t>hay </a:t>
-            </a:r>
-            <a:r>
-              <a:rPr lang="en-US" smtClean="0"/>
-              <a:t>spine</a:t>
-            </a:r>
-          </a:p>
-          <a:p>
-            <a:pPr>
-              <a:buAutoNum type="alphaLcPeriod"/>
-            </a:pPr>
-            <a:r>
-              <a:rPr lang="en-US" b="0" smtClean="0">
-                <a:latin typeface="Times New Roman" pitchFamily="18" charset="0"/>
-                <a:cs typeface="Times New Roman" pitchFamily="18" charset="0"/>
-              </a:rPr>
-              <a:t>Kỹ thuật Key Frame</a:t>
-            </a:r>
-            <a:br>
-              <a:rPr lang="en-US" b="0" smtClean="0">
-                <a:latin typeface="Times New Roman" pitchFamily="18" charset="0"/>
-                <a:cs typeface="Times New Roman" pitchFamily="18" charset="0"/>
-              </a:rPr>
-            </a:br>
-            <a:r>
-              <a:rPr lang="en-US" b="0" smtClean="0">
-                <a:latin typeface="Times New Roman" pitchFamily="18" charset="0"/>
-                <a:cs typeface="Times New Roman" pitchFamily="18" charset="0"/>
-              </a:rPr>
-              <a:t>Dùng 1 sprite cho một key Frame của hành động, thay đổi tuẩn tự key Frame </a:t>
-            </a:r>
-            <a:r>
-              <a:rPr lang="en-US" b="0" smtClean="0">
-                <a:latin typeface="Times New Roman" pitchFamily="18" charset="0"/>
-                <a:cs typeface="Times New Roman" pitchFamily="18" charset="0"/>
-                <a:sym typeface="Wingdings" pitchFamily="2" charset="2"/>
-              </a:rPr>
-              <a:t> Animation</a:t>
-            </a:r>
-            <a:br>
-              <a:rPr lang="en-US" b="0" smtClean="0">
-                <a:latin typeface="Times New Roman" pitchFamily="18" charset="0"/>
-                <a:cs typeface="Times New Roman" pitchFamily="18" charset="0"/>
-                <a:sym typeface="Wingdings" pitchFamily="2" charset="2"/>
-              </a:rPr>
-            </a:br>
-            <a:r>
-              <a:rPr lang="en-US" b="0" smtClean="0">
-                <a:latin typeface="Times New Roman" pitchFamily="18" charset="0"/>
-                <a:cs typeface="Times New Roman" pitchFamily="18" charset="0"/>
-                <a:sym typeface="Wingdings" pitchFamily="2" charset="2"/>
-              </a:rPr>
-              <a:t>Nhược điểm tốm kém bộ nhớ nhưng nhanh đơn giản.</a:t>
-            </a:r>
-            <a:endParaRPr lang="en-US" b="0" smtClean="0">
-              <a:latin typeface="Times New Roman" pitchFamily="18" charset="0"/>
-              <a:cs typeface="Times New Roman" pitchFamily="18" charset="0"/>
-            </a:endParaRPr>
-          </a:p>
-          <a:p>
-            <a:pPr>
-              <a:buAutoNum type="alphaLcPeriod"/>
-            </a:pPr>
-            <a:r>
-              <a:rPr lang="en-US" b="0" smtClean="0">
-                <a:latin typeface="Times New Roman" pitchFamily="18" charset="0"/>
-                <a:cs typeface="Times New Roman" pitchFamily="18" charset="0"/>
-              </a:rPr>
-              <a:t>Kỹ thuật Skeletal( spine)</a:t>
-            </a:r>
-            <a:br>
-              <a:rPr lang="en-US" b="0" smtClean="0">
-                <a:latin typeface="Times New Roman" pitchFamily="18" charset="0"/>
-                <a:cs typeface="Times New Roman" pitchFamily="18" charset="0"/>
-              </a:rPr>
-            </a:br>
-            <a:r>
-              <a:rPr lang="en-US" b="0" smtClean="0">
-                <a:latin typeface="Times New Roman" pitchFamily="18" charset="0"/>
-                <a:cs typeface="Times New Roman" pitchFamily="18" charset="0"/>
-              </a:rPr>
-              <a:t>Chia đối tượng thành nhiều Sprite, mỗi sprite là một bộ phận của đối tượng. Để tạo key frame thì thay đổi các sprite liên quan đến chuyển dộng.</a:t>
-            </a:r>
-            <a:br>
-              <a:rPr lang="en-US" b="0" smtClean="0">
-                <a:latin typeface="Times New Roman" pitchFamily="18" charset="0"/>
-                <a:cs typeface="Times New Roman" pitchFamily="18" charset="0"/>
-              </a:rPr>
-            </a:br>
-            <a:r>
-              <a:rPr lang="en-US" b="0" smtClean="0">
-                <a:latin typeface="Times New Roman" pitchFamily="18" charset="0"/>
-                <a:cs typeface="Times New Roman" pitchFamily="18" charset="0"/>
-              </a:rPr>
-              <a:t>Tốn thời gian, hiệu quả, tiết kiệm bộ nhớ.</a:t>
-            </a:r>
-          </a:p>
-        </p:txBody>
-      </p:sp>
-      <p:pic>
-        <p:nvPicPr>
-          <p:cNvPr id="5" name="Picture 4" descr="Mỗi sprite là một keyframe"/>
-          <p:cNvPicPr/>
-          <p:nvPr/>
-        </p:nvPicPr>
-        <p:blipFill>
-          <a:blip r:embed="rId2" cstate="print">
-            <a:extLst>
-              <a:ext uri="{28A0092B-C50C-407E-A947-70E740481C1C}">
-                <a14:useLocalDpi xmlns:a14="http://schemas.microsoft.com/office/drawing/2010/main" val="0"/>
-              </a:ext>
-            </a:extLst>
-          </a:blip>
-          <a:srcRect/>
-          <a:stretch>
-            <a:fillRect/>
-          </a:stretch>
-        </p:blipFill>
-        <p:spPr bwMode="auto">
-          <a:xfrm>
-            <a:off x="6869002" y="1828800"/>
-            <a:ext cx="2189018" cy="1203960"/>
-          </a:xfrm>
-          <a:prstGeom prst="rect">
-            <a:avLst/>
-          </a:prstGeom>
-          <a:noFill/>
-          <a:ln>
-            <a:noFill/>
-          </a:ln>
-        </p:spPr>
-      </p:pic>
-      <p:pic>
-        <p:nvPicPr>
-          <p:cNvPr id="6" name="Picture 5" descr="2D Spine"/>
-          <p:cNvPicPr/>
-          <p:nvPr/>
-        </p:nvPicPr>
-        <p:blipFill>
-          <a:blip r:embed="rId3">
-            <a:extLst>
-              <a:ext uri="{28A0092B-C50C-407E-A947-70E740481C1C}">
-                <a14:useLocalDpi xmlns:a14="http://schemas.microsoft.com/office/drawing/2010/main" val="0"/>
-              </a:ext>
-            </a:extLst>
-          </a:blip>
-          <a:srcRect/>
-          <a:stretch>
-            <a:fillRect/>
-          </a:stretch>
-        </p:blipFill>
-        <p:spPr bwMode="auto">
-          <a:xfrm>
-            <a:off x="6477000" y="3428999"/>
-            <a:ext cx="2424112" cy="1157288"/>
-          </a:xfrm>
-          <a:prstGeom prst="rect">
-            <a:avLst/>
-          </a:prstGeom>
-          <a:noFill/>
-          <a:ln>
-            <a:noFill/>
-          </a:ln>
-        </p:spPr>
-      </p:pic>
-    </p:spTree>
-    <p:extLst>
-      <p:ext uri="{BB962C8B-B14F-4D97-AF65-F5344CB8AC3E}">
-        <p14:creationId xmlns:p14="http://schemas.microsoft.com/office/powerpoint/2010/main" val="1345753168"/>
-      </p:ext>
-    </p:extLst>
-  </p:cSld>
-  <p:clrMapOvr>
-    <a:masterClrMapping/>
-  </p:clrMapOvr>
-</p:sld>
-</file>
-
-<file path=ppt/slides/slide12.xml><?xml version="1.0" encoding="utf-8"?>
-<p:sld xmlns:a="http://schemas.openxmlformats.org/drawingml/2006/main" xmlns:r="http://schemas.openxmlformats.org/officeDocument/2006/relationships" xmlns:p="http://schemas.openxmlformats.org/presentationml/2006/main">
-  <p:cSld>
-    <p:spTree>
-      <p:nvGrpSpPr>
-        <p:cNvPr id="1" name=""/>
-        <p:cNvGrpSpPr/>
-        <p:nvPr/>
-      </p:nvGrpSpPr>
-      <p:grpSpPr>
-        <a:xfrm>
-          <a:off x="0" y="0"/>
-          <a:ext cx="0" cy="0"/>
-          <a:chOff x="0" y="0"/>
-          <a:chExt cx="0" cy="0"/>
-        </a:xfrm>
-      </p:grpSpPr>
-      <p:sp>
-        <p:nvSpPr>
-          <p:cNvPr id="2" name="Title 1"/>
-          <p:cNvSpPr>
-            <a:spLocks noGrp="1"/>
-          </p:cNvSpPr>
-          <p:nvPr>
-            <p:ph type="title"/>
-          </p:nvPr>
-        </p:nvSpPr>
-        <p:spPr/>
-        <p:txBody>
-          <a:bodyPr/>
-          <a:lstStyle/>
-          <a:p>
-            <a:r>
               <a:rPr lang="en-US" b="1"/>
               <a:t>Các đối tượng cơ bản</a:t>
             </a:r>
@@ -5850,7 +5575,570 @@
 </p:sld>
 </file>
 
+<file path=ppt/slides/slide12.xml><?xml version="1.0" encoding="utf-8"?>
+<p:sld xmlns:a="http://schemas.openxmlformats.org/drawingml/2006/main" xmlns:r="http://schemas.openxmlformats.org/officeDocument/2006/relationships" xmlns:p="http://schemas.openxmlformats.org/presentationml/2006/main">
+  <p:cSld>
+    <p:spTree>
+      <p:nvGrpSpPr>
+        <p:cNvPr id="1" name=""/>
+        <p:cNvGrpSpPr/>
+        <p:nvPr/>
+      </p:nvGrpSpPr>
+      <p:grpSpPr>
+        <a:xfrm>
+          <a:off x="0" y="0"/>
+          <a:ext cx="0" cy="0"/>
+          <a:chOff x="0" y="0"/>
+          <a:chExt cx="0" cy="0"/>
+        </a:xfrm>
+      </p:grpSpPr>
+      <p:sp>
+        <p:nvSpPr>
+          <p:cNvPr id="2" name="Title 1"/>
+          <p:cNvSpPr>
+            <a:spLocks noGrp="1"/>
+          </p:cNvSpPr>
+          <p:nvPr>
+            <p:ph type="title"/>
+          </p:nvPr>
+        </p:nvSpPr>
+        <p:spPr/>
+        <p:txBody>
+          <a:bodyPr/>
+          <a:lstStyle/>
+          <a:p>
+            <a:r>
+              <a:rPr lang="en-US" b="1"/>
+              <a:t>Các đối tượng cơ bản</a:t>
+            </a:r>
+          </a:p>
+        </p:txBody>
+      </p:sp>
+      <p:sp>
+        <p:nvSpPr>
+          <p:cNvPr id="3" name="Content Placeholder 2"/>
+          <p:cNvSpPr>
+            <a:spLocks noGrp="1"/>
+          </p:cNvSpPr>
+          <p:nvPr>
+            <p:ph idx="1"/>
+          </p:nvPr>
+        </p:nvSpPr>
+        <p:spPr>
+          <a:xfrm>
+            <a:off x="822960" y="3124200"/>
+            <a:ext cx="8168640" cy="3352799"/>
+          </a:xfrm>
+        </p:spPr>
+        <p:txBody>
+          <a:bodyPr/>
+          <a:lstStyle/>
+          <a:p>
+            <a:pPr marL="0" indent="0"/>
+            <a:r>
+              <a:rPr lang="en-US" b="0">
+                <a:latin typeface="Times New Roman" pitchFamily="18" charset="0"/>
+                <a:cs typeface="Times New Roman" pitchFamily="18" charset="0"/>
+              </a:rPr>
+              <a:t>6</a:t>
+            </a:r>
+            <a:r>
+              <a:rPr lang="en-US" b="0">
+                <a:latin typeface="Times New Roman" pitchFamily="18" charset="0"/>
+                <a:cs typeface="Times New Roman" pitchFamily="18" charset="0"/>
+              </a:rPr>
+              <a:t>. </a:t>
+            </a:r>
+            <a:r>
+              <a:rPr lang="en-US" b="0" smtClean="0">
+                <a:latin typeface="Times New Roman" pitchFamily="18" charset="0"/>
+                <a:cs typeface="Times New Roman" pitchFamily="18" charset="0"/>
+              </a:rPr>
+              <a:t>Animation : Tập các trạng thái</a:t>
+            </a:r>
+            <a:br>
+              <a:rPr lang="en-US" b="0" smtClean="0">
+                <a:latin typeface="Times New Roman" pitchFamily="18" charset="0"/>
+                <a:cs typeface="Times New Roman" pitchFamily="18" charset="0"/>
+              </a:rPr>
+            </a:br>
+            <a:r>
+              <a:rPr lang="en-US" b="0" smtClean="0">
+                <a:latin typeface="Times New Roman" pitchFamily="18" charset="0"/>
+                <a:cs typeface="Times New Roman" pitchFamily="18" charset="0"/>
+              </a:rPr>
+              <a:t>- Chọn MainCharacter Object </a:t>
+            </a:r>
+            <a:r>
+              <a:rPr lang="en-US" b="0" smtClean="0">
+                <a:latin typeface="Times New Roman" pitchFamily="18" charset="0"/>
+                <a:cs typeface="Times New Roman" pitchFamily="18" charset="0"/>
+                <a:sym typeface="Wingdings" pitchFamily="2" charset="2"/>
+              </a:rPr>
+              <a:t> Window (menu)  Animator.</a:t>
+            </a:r>
+          </a:p>
+          <a:p>
+            <a:pPr marL="285750" indent="-285750">
+              <a:buFontTx/>
+              <a:buChar char="-"/>
+            </a:pPr>
+            <a:r>
+              <a:rPr lang="en-US" b="0" smtClean="0">
+                <a:latin typeface="Times New Roman" pitchFamily="18" charset="0"/>
+                <a:cs typeface="Times New Roman" pitchFamily="18" charset="0"/>
+                <a:sym typeface="Wingdings" pitchFamily="2" charset="2"/>
+              </a:rPr>
+              <a:t>Tạo các Animation ở thư mục Script, Kéo vào trong khung Animator.</a:t>
+            </a:r>
+          </a:p>
+          <a:p>
+            <a:pPr marL="285750" indent="-285750">
+              <a:buFontTx/>
+              <a:buChar char="-"/>
+            </a:pPr>
+            <a:r>
+              <a:rPr lang="en-US" b="0" smtClean="0">
+                <a:latin typeface="Times New Roman" pitchFamily="18" charset="0"/>
+                <a:cs typeface="Times New Roman" pitchFamily="18" charset="0"/>
+                <a:sym typeface="Wingdings" pitchFamily="2" charset="2"/>
+              </a:rPr>
+              <a:t>Có thể set As Layer Default State.</a:t>
+            </a:r>
+          </a:p>
+          <a:p>
+            <a:pPr marL="285750" indent="-285750">
+              <a:buFontTx/>
+              <a:buChar char="-"/>
+            </a:pPr>
+            <a:r>
+              <a:rPr lang="en-US" b="0" smtClean="0">
+                <a:latin typeface="Times New Roman" pitchFamily="18" charset="0"/>
+                <a:cs typeface="Times New Roman" pitchFamily="18" charset="0"/>
+                <a:sym typeface="Wingdings" pitchFamily="2" charset="2"/>
+              </a:rPr>
+              <a:t>Make Transtition để kéo mối quan hệ giữa các state.</a:t>
+            </a:r>
+          </a:p>
+          <a:p>
+            <a:pPr marL="285750" indent="-285750">
+              <a:buFontTx/>
+              <a:buChar char="-"/>
+            </a:pPr>
+            <a:r>
+              <a:rPr lang="en-US" b="0" smtClean="0">
+                <a:latin typeface="Times New Roman" pitchFamily="18" charset="0"/>
+                <a:cs typeface="Times New Roman" pitchFamily="18" charset="0"/>
+                <a:sym typeface="Wingdings" pitchFamily="2" charset="2"/>
+              </a:rPr>
+              <a:t>Parameters : Tạo các biến để xác nhận điều kiện chuyển trạng thái.</a:t>
+            </a:r>
+          </a:p>
+          <a:p>
+            <a:pPr marL="285750" indent="-285750">
+              <a:buFontTx/>
+              <a:buChar char="-"/>
+            </a:pPr>
+            <a:r>
+              <a:rPr lang="en-US" b="0" smtClean="0">
+                <a:latin typeface="Times New Roman" pitchFamily="18" charset="0"/>
+                <a:cs typeface="Times New Roman" pitchFamily="18" charset="0"/>
+                <a:sym typeface="Wingdings" pitchFamily="2" charset="2"/>
+              </a:rPr>
+              <a:t>Setup điều kiện chuyển trạng thái bên Inspetor, CHọn vào Transitions.</a:t>
+            </a:r>
+            <a:br>
+              <a:rPr lang="en-US" b="0" smtClean="0">
+                <a:latin typeface="Times New Roman" pitchFamily="18" charset="0"/>
+                <a:cs typeface="Times New Roman" pitchFamily="18" charset="0"/>
+                <a:sym typeface="Wingdings" pitchFamily="2" charset="2"/>
+              </a:rPr>
+            </a:br>
+            <a:r>
+              <a:rPr lang="en-US" b="0" smtClean="0">
+                <a:latin typeface="Times New Roman" pitchFamily="18" charset="0"/>
+                <a:cs typeface="Times New Roman" pitchFamily="18" charset="0"/>
+                <a:sym typeface="Wingdings" pitchFamily="2" charset="2"/>
+              </a:rPr>
+              <a:t>Thay đổi Conditions các biến.</a:t>
+            </a:r>
+          </a:p>
+          <a:p>
+            <a:pPr marL="285750" indent="-285750">
+              <a:buFontTx/>
+              <a:buChar char="-"/>
+            </a:pPr>
+            <a:endParaRPr lang="en-US" b="0" smtClean="0">
+              <a:latin typeface="Times New Roman" pitchFamily="18" charset="0"/>
+              <a:cs typeface="Times New Roman" pitchFamily="18" charset="0"/>
+              <a:sym typeface="Wingdings" pitchFamily="2" charset="2"/>
+            </a:endParaRPr>
+          </a:p>
+          <a:p>
+            <a:pPr marL="285750" indent="-285750">
+              <a:buFontTx/>
+              <a:buChar char="-"/>
+            </a:pPr>
+            <a:endParaRPr lang="en-US" b="0" smtClean="0">
+              <a:latin typeface="Times New Roman" pitchFamily="18" charset="0"/>
+              <a:cs typeface="Times New Roman" pitchFamily="18" charset="0"/>
+              <a:sym typeface="Wingdings" pitchFamily="2" charset="2"/>
+            </a:endParaRPr>
+          </a:p>
+          <a:p>
+            <a:pPr marL="0" indent="0"/>
+            <a:endParaRPr lang="en-US" b="0" smtClean="0">
+              <a:latin typeface="Times New Roman" pitchFamily="18" charset="0"/>
+              <a:cs typeface="Times New Roman" pitchFamily="18" charset="0"/>
+            </a:endParaRPr>
+          </a:p>
+        </p:txBody>
+      </p:sp>
+      <p:pic>
+        <p:nvPicPr>
+          <p:cNvPr id="7170" name="Picture 2"/>
+          <p:cNvPicPr>
+            <a:picLocks noChangeAspect="1" noChangeArrowheads="1"/>
+          </p:cNvPicPr>
+          <p:nvPr/>
+        </p:nvPicPr>
+        <p:blipFill>
+          <a:blip r:embed="rId2" cstate="print">
+            <a:extLst>
+              <a:ext uri="{28A0092B-C50C-407E-A947-70E740481C1C}">
+                <a14:useLocalDpi xmlns:a14="http://schemas.microsoft.com/office/drawing/2010/main" val="0"/>
+              </a:ext>
+            </a:extLst>
+          </a:blip>
+          <a:srcRect/>
+          <a:stretch>
+            <a:fillRect/>
+          </a:stretch>
+        </p:blipFill>
+        <p:spPr bwMode="auto">
+          <a:xfrm>
+            <a:off x="4206006" y="1"/>
+            <a:ext cx="4937993" cy="3124200"/>
+          </a:xfrm>
+          <a:prstGeom prst="rect">
+            <a:avLst/>
+          </a:prstGeom>
+          <a:noFill/>
+          <a:ln>
+            <a:noFill/>
+          </a:ln>
+          <a:effectLst/>
+          <a:extLst>
+            <a:ext uri="{909E8E84-426E-40DD-AFC4-6F175D3DCCD1}">
+              <a14:hiddenFill xmlns:a14="http://schemas.microsoft.com/office/drawing/2010/main">
+                <a:solidFill>
+                  <a:schemeClr val="accent1"/>
+                </a:solidFill>
+              </a14:hiddenFill>
+            </a:ext>
+            <a:ext uri="{91240B29-F687-4F45-9708-019B960494DF}">
+              <a14:hiddenLine xmlns:a14="http://schemas.microsoft.com/office/drawing/2010/main" w="9525">
+                <a:solidFill>
+                  <a:schemeClr val="tx1"/>
+                </a:solidFill>
+                <a:miter lim="800000"/>
+                <a:headEnd/>
+                <a:tailEnd/>
+              </a14:hiddenLine>
+            </a:ext>
+            <a:ext uri="{AF507438-7753-43E0-B8FC-AC1667EBCBE1}">
+              <a14:hiddenEffects xmlns:a14="http://schemas.microsoft.com/office/drawing/2010/main">
+                <a:effectLst>
+                  <a:outerShdw dist="35921" dir="2700000" algn="ctr" rotWithShape="0">
+                    <a:schemeClr val="bg2"/>
+                  </a:outerShdw>
+                </a:effectLst>
+              </a14:hiddenEffects>
+            </a:ext>
+          </a:extLst>
+        </p:spPr>
+      </p:pic>
+      <p:pic>
+        <p:nvPicPr>
+          <p:cNvPr id="7171" name="Picture 3"/>
+          <p:cNvPicPr>
+            <a:picLocks noChangeAspect="1" noChangeArrowheads="1"/>
+          </p:cNvPicPr>
+          <p:nvPr/>
+        </p:nvPicPr>
+        <p:blipFill>
+          <a:blip r:embed="rId3">
+            <a:extLst>
+              <a:ext uri="{28A0092B-C50C-407E-A947-70E740481C1C}">
+                <a14:useLocalDpi xmlns:a14="http://schemas.microsoft.com/office/drawing/2010/main" val="0"/>
+              </a:ext>
+            </a:extLst>
+          </a:blip>
+          <a:srcRect/>
+          <a:stretch>
+            <a:fillRect/>
+          </a:stretch>
+        </p:blipFill>
+        <p:spPr bwMode="auto">
+          <a:xfrm>
+            <a:off x="6934200" y="3886200"/>
+            <a:ext cx="2057400" cy="3321844"/>
+          </a:xfrm>
+          <a:prstGeom prst="rect">
+            <a:avLst/>
+          </a:prstGeom>
+          <a:noFill/>
+          <a:ln>
+            <a:noFill/>
+          </a:ln>
+          <a:effectLst/>
+          <a:extLst>
+            <a:ext uri="{909E8E84-426E-40DD-AFC4-6F175D3DCCD1}">
+              <a14:hiddenFill xmlns:a14="http://schemas.microsoft.com/office/drawing/2010/main">
+                <a:solidFill>
+                  <a:schemeClr val="accent1"/>
+                </a:solidFill>
+              </a14:hiddenFill>
+            </a:ext>
+            <a:ext uri="{91240B29-F687-4F45-9708-019B960494DF}">
+              <a14:hiddenLine xmlns:a14="http://schemas.microsoft.com/office/drawing/2010/main" w="9525">
+                <a:solidFill>
+                  <a:schemeClr val="tx1"/>
+                </a:solidFill>
+                <a:miter lim="800000"/>
+                <a:headEnd/>
+                <a:tailEnd/>
+              </a14:hiddenLine>
+            </a:ext>
+            <a:ext uri="{AF507438-7753-43E0-B8FC-AC1667EBCBE1}">
+              <a14:hiddenEffects xmlns:a14="http://schemas.microsoft.com/office/drawing/2010/main">
+                <a:effectLst>
+                  <a:outerShdw dist="35921" dir="2700000" algn="ctr" rotWithShape="0">
+                    <a:schemeClr val="bg2"/>
+                  </a:outerShdw>
+                </a:effectLst>
+              </a14:hiddenEffects>
+            </a:ext>
+          </a:extLst>
+        </p:spPr>
+      </p:pic>
+    </p:spTree>
+    <p:extLst>
+      <p:ext uri="{BB962C8B-B14F-4D97-AF65-F5344CB8AC3E}">
+        <p14:creationId xmlns:p14="http://schemas.microsoft.com/office/powerpoint/2010/main" val="42928681"/>
+      </p:ext>
+    </p:extLst>
+  </p:cSld>
+  <p:clrMapOvr>
+    <a:masterClrMapping/>
+  </p:clrMapOvr>
+</p:sld>
+</file>
+
 <file path=ppt/slides/slide13.xml><?xml version="1.0" encoding="utf-8"?>
+<p:sld xmlns:a="http://schemas.openxmlformats.org/drawingml/2006/main" xmlns:r="http://schemas.openxmlformats.org/officeDocument/2006/relationships" xmlns:p="http://schemas.openxmlformats.org/presentationml/2006/main">
+  <p:cSld>
+    <p:spTree>
+      <p:nvGrpSpPr>
+        <p:cNvPr id="1" name=""/>
+        <p:cNvGrpSpPr/>
+        <p:nvPr/>
+      </p:nvGrpSpPr>
+      <p:grpSpPr>
+        <a:xfrm>
+          <a:off x="0" y="0"/>
+          <a:ext cx="0" cy="0"/>
+          <a:chOff x="0" y="0"/>
+          <a:chExt cx="0" cy="0"/>
+        </a:xfrm>
+      </p:grpSpPr>
+      <p:sp>
+        <p:nvSpPr>
+          <p:cNvPr id="2" name="Title 1"/>
+          <p:cNvSpPr>
+            <a:spLocks noGrp="1"/>
+          </p:cNvSpPr>
+          <p:nvPr>
+            <p:ph type="title"/>
+          </p:nvPr>
+        </p:nvSpPr>
+        <p:spPr/>
+        <p:txBody>
+          <a:bodyPr/>
+          <a:lstStyle/>
+          <a:p>
+            <a:r>
+              <a:rPr lang="en-US" b="1"/>
+              <a:t>Các đối tượng cơ bản</a:t>
+            </a:r>
+          </a:p>
+        </p:txBody>
+      </p:sp>
+      <p:sp>
+        <p:nvSpPr>
+          <p:cNvPr id="3" name="Content Placeholder 2"/>
+          <p:cNvSpPr>
+            <a:spLocks noGrp="1"/>
+          </p:cNvSpPr>
+          <p:nvPr>
+            <p:ph idx="1"/>
+          </p:nvPr>
+        </p:nvSpPr>
+        <p:spPr>
+          <a:xfrm>
+            <a:off x="822960" y="1066800"/>
+            <a:ext cx="8168640" cy="5410199"/>
+          </a:xfrm>
+        </p:spPr>
+        <p:txBody>
+          <a:bodyPr/>
+          <a:lstStyle/>
+          <a:p>
+            <a:pPr marL="0" indent="0"/>
+            <a:r>
+              <a:rPr lang="en-US" b="0">
+                <a:latin typeface="Times New Roman" pitchFamily="18" charset="0"/>
+                <a:cs typeface="Times New Roman" pitchFamily="18" charset="0"/>
+              </a:rPr>
+              <a:t>6</a:t>
+            </a:r>
+            <a:r>
+              <a:rPr lang="en-US" b="0">
+                <a:latin typeface="Times New Roman" pitchFamily="18" charset="0"/>
+                <a:cs typeface="Times New Roman" pitchFamily="18" charset="0"/>
+              </a:rPr>
+              <a:t>. </a:t>
+            </a:r>
+            <a:r>
+              <a:rPr lang="en-US" b="0" smtClean="0">
+                <a:latin typeface="Times New Roman" pitchFamily="18" charset="0"/>
+                <a:cs typeface="Times New Roman" pitchFamily="18" charset="0"/>
+              </a:rPr>
+              <a:t>Animation : Tập các trạng thái</a:t>
+            </a:r>
+            <a:br>
+              <a:rPr lang="en-US" b="0" smtClean="0">
+                <a:latin typeface="Times New Roman" pitchFamily="18" charset="0"/>
+                <a:cs typeface="Times New Roman" pitchFamily="18" charset="0"/>
+              </a:rPr>
+            </a:br>
+            <a:r>
+              <a:rPr lang="en-US" b="0" smtClean="0">
+                <a:latin typeface="Times New Roman" pitchFamily="18" charset="0"/>
+                <a:cs typeface="Times New Roman" pitchFamily="18" charset="0"/>
+              </a:rPr>
+              <a:t>Setup thay đổi trạng thái trong code.</a:t>
+            </a:r>
+          </a:p>
+          <a:p>
+            <a:pPr marL="0" indent="0"/>
+            <a:r>
+              <a:rPr lang="en-US" b="0" smtClean="0">
+                <a:latin typeface="Times New Roman" pitchFamily="18" charset="0"/>
+                <a:cs typeface="Times New Roman" pitchFamily="18" charset="0"/>
+                <a:sym typeface="Wingdings" pitchFamily="2" charset="2"/>
+              </a:rPr>
+              <a:t>Setup Controller MainCharactorController cho MainCharactor Object.</a:t>
+            </a:r>
+          </a:p>
+          <a:p>
+            <a:pPr marL="285750" indent="-285750">
+              <a:buFontTx/>
+              <a:buChar char="-"/>
+            </a:pPr>
+            <a:endParaRPr lang="en-US" b="0" smtClean="0">
+              <a:latin typeface="Times New Roman" pitchFamily="18" charset="0"/>
+              <a:cs typeface="Times New Roman" pitchFamily="18" charset="0"/>
+              <a:sym typeface="Wingdings" pitchFamily="2" charset="2"/>
+            </a:endParaRPr>
+          </a:p>
+          <a:p>
+            <a:pPr marL="0" indent="0"/>
+            <a:endParaRPr lang="en-US" b="0" smtClean="0">
+              <a:latin typeface="Times New Roman" pitchFamily="18" charset="0"/>
+              <a:cs typeface="Times New Roman" pitchFamily="18" charset="0"/>
+            </a:endParaRPr>
+          </a:p>
+        </p:txBody>
+      </p:sp>
+      <p:pic>
+        <p:nvPicPr>
+          <p:cNvPr id="8194" name="Picture 2"/>
+          <p:cNvPicPr>
+            <a:picLocks noChangeAspect="1" noChangeArrowheads="1"/>
+          </p:cNvPicPr>
+          <p:nvPr/>
+        </p:nvPicPr>
+        <p:blipFill>
+          <a:blip r:embed="rId2">
+            <a:extLst>
+              <a:ext uri="{28A0092B-C50C-407E-A947-70E740481C1C}">
+                <a14:useLocalDpi xmlns:a14="http://schemas.microsoft.com/office/drawing/2010/main" val="0"/>
+              </a:ext>
+            </a:extLst>
+          </a:blip>
+          <a:srcRect/>
+          <a:stretch>
+            <a:fillRect/>
+          </a:stretch>
+        </p:blipFill>
+        <p:spPr bwMode="auto">
+          <a:xfrm>
+            <a:off x="1219200" y="2157274"/>
+            <a:ext cx="6334125" cy="4181475"/>
+          </a:xfrm>
+          <a:prstGeom prst="rect">
+            <a:avLst/>
+          </a:prstGeom>
+          <a:noFill/>
+          <a:ln>
+            <a:noFill/>
+          </a:ln>
+          <a:effectLst/>
+          <a:extLst>
+            <a:ext uri="{909E8E84-426E-40DD-AFC4-6F175D3DCCD1}">
+              <a14:hiddenFill xmlns:a14="http://schemas.microsoft.com/office/drawing/2010/main">
+                <a:solidFill>
+                  <a:schemeClr val="accent1"/>
+                </a:solidFill>
+              </a14:hiddenFill>
+            </a:ext>
+            <a:ext uri="{91240B29-F687-4F45-9708-019B960494DF}">
+              <a14:hiddenLine xmlns:a14="http://schemas.microsoft.com/office/drawing/2010/main" w="9525">
+                <a:solidFill>
+                  <a:schemeClr val="tx1"/>
+                </a:solidFill>
+                <a:miter lim="800000"/>
+                <a:headEnd/>
+                <a:tailEnd/>
+              </a14:hiddenLine>
+            </a:ext>
+            <a:ext uri="{AF507438-7753-43E0-B8FC-AC1667EBCBE1}">
+              <a14:hiddenEffects xmlns:a14="http://schemas.microsoft.com/office/drawing/2010/main">
+                <a:effectLst>
+                  <a:outerShdw dist="35921" dir="2700000" algn="ctr" rotWithShape="0">
+                    <a:schemeClr val="bg2"/>
+                  </a:outerShdw>
+                </a:effectLst>
+              </a14:hiddenEffects>
+            </a:ext>
+          </a:extLst>
+        </p:spPr>
+      </p:pic>
+    </p:spTree>
+    <p:extLst>
+      <p:ext uri="{BB962C8B-B14F-4D97-AF65-F5344CB8AC3E}">
+        <p14:creationId xmlns:p14="http://schemas.microsoft.com/office/powerpoint/2010/main" val="2090326196"/>
+      </p:ext>
+    </p:extLst>
+  </p:cSld>
+  <p:clrMapOvr>
+    <a:masterClrMapping/>
+  </p:clrMapOvr>
+</p:sld>
+</file>
+
+<file path=ppt/slides/slide14.xml><?xml version="1.0" encoding="utf-8"?>
 <p:sld xmlns:a="http://schemas.openxmlformats.org/drawingml/2006/main" xmlns:r="http://schemas.openxmlformats.org/officeDocument/2006/relationships" xmlns:p="http://schemas.openxmlformats.org/presentationml/2006/main">
   <p:cSld>
     <p:spTree>
@@ -6028,7 +6316,7 @@
 </p:sld>
 </file>
 
-<file path=ppt/slides/slide14.xml><?xml version="1.0" encoding="utf-8"?>
+<file path=ppt/slides/slide15.xml><?xml version="1.0" encoding="utf-8"?>
 <p:sld xmlns:a="http://schemas.openxmlformats.org/drawingml/2006/main" xmlns:r="http://schemas.openxmlformats.org/officeDocument/2006/relationships" xmlns:p="http://schemas.openxmlformats.org/presentationml/2006/main">
   <p:cSld>
     <p:spTree>
@@ -6603,7 +6891,7 @@
 </p:sld>
 </file>
 
-<file path=ppt/slides/slide15.xml><?xml version="1.0" encoding="utf-8"?>
+<file path=ppt/slides/slide16.xml><?xml version="1.0" encoding="utf-8"?>
 <p:sld xmlns:a="http://schemas.openxmlformats.org/drawingml/2006/main" xmlns:r="http://schemas.openxmlformats.org/officeDocument/2006/relationships" xmlns:p="http://schemas.openxmlformats.org/presentationml/2006/main">
   <p:cSld>
     <p:spTree>
@@ -6864,7 +7152,7 @@
 </p:sld>
 </file>
 
-<file path=ppt/slides/slide16.xml><?xml version="1.0" encoding="utf-8"?>
+<file path=ppt/slides/slide17.xml><?xml version="1.0" encoding="utf-8"?>
 <p:sld xmlns:a="http://schemas.openxmlformats.org/drawingml/2006/main" xmlns:r="http://schemas.openxmlformats.org/officeDocument/2006/relationships" xmlns:p="http://schemas.openxmlformats.org/presentationml/2006/main">
   <p:cSld>
     <p:spTree>
@@ -7087,7 +7375,7 @@
 </p:sld>
 </file>
 
-<file path=ppt/slides/slide17.xml><?xml version="1.0" encoding="utf-8"?>
+<file path=ppt/slides/slide18.xml><?xml version="1.0" encoding="utf-8"?>
 <p:sld xmlns:a="http://schemas.openxmlformats.org/drawingml/2006/main" xmlns:r="http://schemas.openxmlformats.org/officeDocument/2006/relationships" xmlns:p="http://schemas.openxmlformats.org/presentationml/2006/main">
   <p:cSld>
     <p:spTree>
@@ -7324,7 +7612,7 @@
 </p:sld>
 </file>
 
-<file path=ppt/slides/slide18.xml><?xml version="1.0" encoding="utf-8"?>
+<file path=ppt/slides/slide19.xml><?xml version="1.0" encoding="utf-8"?>
 <p:sld xmlns:a="http://schemas.openxmlformats.org/drawingml/2006/main" xmlns:r="http://schemas.openxmlformats.org/officeDocument/2006/relationships" xmlns:p="http://schemas.openxmlformats.org/presentationml/2006/main">
   <p:cSld>
     <p:spTree>
@@ -7876,6 +8164,70 @@
     <p:extLst>
       <p:ext uri="{BB962C8B-B14F-4D97-AF65-F5344CB8AC3E}">
         <p14:creationId xmlns:p14="http://schemas.microsoft.com/office/powerpoint/2010/main" val="4143349180"/>
+      </p:ext>
+    </p:extLst>
+  </p:cSld>
+  <p:clrMapOvr>
+    <a:masterClrMapping/>
+  </p:clrMapOvr>
+</p:sld>
+</file>
+
+<file path=ppt/slides/slide20.xml><?xml version="1.0" encoding="utf-8"?>
+<p:sld xmlns:a="http://schemas.openxmlformats.org/drawingml/2006/main" xmlns:r="http://schemas.openxmlformats.org/officeDocument/2006/relationships" xmlns:p="http://schemas.openxmlformats.org/presentationml/2006/main">
+  <p:cSld>
+    <p:spTree>
+      <p:nvGrpSpPr>
+        <p:cNvPr id="1" name=""/>
+        <p:cNvGrpSpPr/>
+        <p:nvPr/>
+      </p:nvGrpSpPr>
+      <p:grpSpPr>
+        <a:xfrm>
+          <a:off x="0" y="0"/>
+          <a:ext cx="0" cy="0"/>
+          <a:chOff x="0" y="0"/>
+          <a:chExt cx="0" cy="0"/>
+        </a:xfrm>
+      </p:grpSpPr>
+      <p:sp>
+        <p:nvSpPr>
+          <p:cNvPr id="2" name="Title 1"/>
+          <p:cNvSpPr>
+            <a:spLocks noGrp="1"/>
+          </p:cNvSpPr>
+          <p:nvPr>
+            <p:ph type="title"/>
+          </p:nvPr>
+        </p:nvSpPr>
+        <p:spPr>
+          <a:xfrm>
+            <a:off x="1828800" y="2880360"/>
+            <a:ext cx="6019800" cy="548640"/>
+          </a:xfrm>
+        </p:spPr>
+        <p:txBody>
+          <a:bodyPr/>
+          <a:lstStyle/>
+          <a:p>
+            <a:r>
+              <a:rPr lang="en-US" sz="9600" smtClean="0">
+                <a:latin typeface="Times New Roman" pitchFamily="18" charset="0"/>
+                <a:cs typeface="Times New Roman" pitchFamily="18" charset="0"/>
+              </a:rPr>
+              <a:t>THANKS</a:t>
+            </a:r>
+            <a:endParaRPr lang="en-US" sz="9600">
+              <a:latin typeface="Times New Roman" pitchFamily="18" charset="0"/>
+              <a:cs typeface="Times New Roman" pitchFamily="18" charset="0"/>
+            </a:endParaRPr>
+          </a:p>
+        </p:txBody>
+      </p:sp>
+    </p:spTree>
+    <p:extLst>
+      <p:ext uri="{BB962C8B-B14F-4D97-AF65-F5344CB8AC3E}">
+        <p14:creationId xmlns:p14="http://schemas.microsoft.com/office/powerpoint/2010/main" val="761303506"/>
       </p:ext>
     </p:extLst>
   </p:cSld>

--- a/unity/unity.pptx
+++ b/unity/unity.pptx
@@ -24,7 +24,8 @@
     <p:sldId id="271" r:id="rId18"/>
     <p:sldId id="272" r:id="rId19"/>
     <p:sldId id="273" r:id="rId20"/>
-    <p:sldId id="274" r:id="rId21"/>
+    <p:sldId id="277" r:id="rId21"/>
+    <p:sldId id="274" r:id="rId22"/>
   </p:sldIdLst>
   <p:sldSz cx="9144000" cy="6858000" type="screen4x3"/>
   <p:notesSz cx="6858000" cy="9144000"/>
@@ -4981,11 +4982,7 @@
             </a:r>
             <a:r>
               <a:rPr lang="en-US"/>
-              <a:t>thuật key frame và kỹ thuật skeletal </a:t>
-            </a:r>
-            <a:r>
-              <a:rPr lang="en-US"/>
-              <a:t>hay </a:t>
+              <a:t>thuật key frame và kỹ thuật skeletal hay </a:t>
             </a:r>
             <a:r>
               <a:rPr lang="en-US" smtClean="0"/>
@@ -5227,14 +5224,7 @@
                 <a:latin typeface="Times New Roman" pitchFamily="18" charset="0"/>
                 <a:cs typeface="Times New Roman" pitchFamily="18" charset="0"/>
               </a:rPr>
-              <a:t>6</a:t>
-            </a:r>
-            <a:r>
-              <a:rPr lang="en-US" b="0">
-                <a:latin typeface="Times New Roman" pitchFamily="18" charset="0"/>
-                <a:cs typeface="Times New Roman" pitchFamily="18" charset="0"/>
-              </a:rPr>
-              <a:t>. </a:t>
+              <a:t>6. </a:t>
             </a:r>
             <a:r>
               <a:rPr lang="en-US" b="0" smtClean="0">
@@ -5640,14 +5630,7 @@
                 <a:latin typeface="Times New Roman" pitchFamily="18" charset="0"/>
                 <a:cs typeface="Times New Roman" pitchFamily="18" charset="0"/>
               </a:rPr>
-              <a:t>6</a:t>
-            </a:r>
-            <a:r>
-              <a:rPr lang="en-US" b="0">
-                <a:latin typeface="Times New Roman" pitchFamily="18" charset="0"/>
-                <a:cs typeface="Times New Roman" pitchFamily="18" charset="0"/>
-              </a:rPr>
-              <a:t>. </a:t>
+              <a:t>6. </a:t>
             </a:r>
             <a:r>
               <a:rPr lang="en-US" b="0" smtClean="0">
@@ -6000,14 +5983,7 @@
                 <a:latin typeface="Times New Roman" pitchFamily="18" charset="0"/>
                 <a:cs typeface="Times New Roman" pitchFamily="18" charset="0"/>
               </a:rPr>
-              <a:t>6</a:t>
-            </a:r>
-            <a:r>
-              <a:rPr lang="en-US" b="0">
-                <a:latin typeface="Times New Roman" pitchFamily="18" charset="0"/>
-                <a:cs typeface="Times New Roman" pitchFamily="18" charset="0"/>
-              </a:rPr>
-              <a:t>. </a:t>
+              <a:t>6. </a:t>
             </a:r>
             <a:r>
               <a:rPr lang="en-US" b="0" smtClean="0">
@@ -6203,14 +6179,7 @@
                 <a:latin typeface="Times New Roman" pitchFamily="18" charset="0"/>
                 <a:cs typeface="Times New Roman" pitchFamily="18" charset="0"/>
               </a:rPr>
-              <a:t>6</a:t>
-            </a:r>
-            <a:r>
-              <a:rPr lang="en-US" b="0">
-                <a:latin typeface="Times New Roman" pitchFamily="18" charset="0"/>
-                <a:cs typeface="Times New Roman" pitchFamily="18" charset="0"/>
-              </a:rPr>
-              <a:t>. </a:t>
+              <a:t>6. </a:t>
             </a:r>
             <a:r>
               <a:rPr lang="en-US" b="0" smtClean="0">
@@ -6381,21 +6350,47 @@
                 <a:latin typeface="Times New Roman" pitchFamily="18" charset="0"/>
                 <a:cs typeface="Times New Roman" pitchFamily="18" charset="0"/>
               </a:rPr>
-              <a:t>6</a:t>
-            </a:r>
+              <a:t>6. </a:t>
+            </a:r>
+            <a:r>
+              <a:rPr lang="en-US" b="0" smtClean="0">
+                <a:latin typeface="Times New Roman" pitchFamily="18" charset="0"/>
+                <a:cs typeface="Times New Roman" pitchFamily="18" charset="0"/>
+              </a:rPr>
+              <a:t>Script</a:t>
+            </a:r>
+            <a:br>
+              <a:rPr lang="en-US" b="0" smtClean="0">
+                <a:latin typeface="Times New Roman" pitchFamily="18" charset="0"/>
+                <a:cs typeface="Times New Roman" pitchFamily="18" charset="0"/>
+              </a:rPr>
+            </a:br>
+            <a:r>
+              <a:rPr lang="en-US" b="0" smtClean="0">
+                <a:latin typeface="Times New Roman" pitchFamily="18" charset="0"/>
+                <a:cs typeface="Times New Roman" pitchFamily="18" charset="0"/>
+              </a:rPr>
+              <a:t>Chứa mã điều khiển 1 đối tượng.</a:t>
+            </a:r>
+            <a:br>
+              <a:rPr lang="en-US" b="0" smtClean="0">
+                <a:latin typeface="Times New Roman" pitchFamily="18" charset="0"/>
+                <a:cs typeface="Times New Roman" pitchFamily="18" charset="0"/>
+              </a:rPr>
+            </a:br>
             <a:r>
               <a:rPr lang="en-US" b="0">
                 <a:latin typeface="Times New Roman" pitchFamily="18" charset="0"/>
                 <a:cs typeface="Times New Roman" pitchFamily="18" charset="0"/>
               </a:rPr>
-              <a:t>. </a:t>
-            </a:r>
-            <a:r>
-              <a:rPr lang="en-US" b="0" smtClean="0">
-                <a:latin typeface="Times New Roman" pitchFamily="18" charset="0"/>
-                <a:cs typeface="Times New Roman" pitchFamily="18" charset="0"/>
-              </a:rPr>
-              <a:t>Script</a:t>
+              <a:t>+ Start(): </a:t>
+            </a:r>
+            <a:r>
+              <a:rPr lang="en-US" b="0" smtClean="0">
+                <a:latin typeface="Times New Roman" pitchFamily="18" charset="0"/>
+                <a:cs typeface="Times New Roman" pitchFamily="18" charset="0"/>
+              </a:rPr>
+              <a:t/>
             </a:r>
             <a:br>
               <a:rPr lang="en-US" b="0" smtClean="0">
@@ -6408,61 +6403,14 @@
                 <a:latin typeface="Times New Roman" pitchFamily="18" charset="0"/>
                 <a:cs typeface="Times New Roman" pitchFamily="18" charset="0"/>
               </a:rPr>
-              <a:t>Chứa mã điều khiển 1 đối tượng.</a:t>
-            </a:r>
-            <a:br>
-              <a:rPr lang="en-US" b="0" smtClean="0">
-                <a:latin typeface="Times New Roman" pitchFamily="18" charset="0"/>
-                <a:cs typeface="Times New Roman" pitchFamily="18" charset="0"/>
-              </a:rPr>
-            </a:br>
+              <a:t>Được </a:t>
+            </a:r>
             <a:r>
               <a:rPr lang="en-US" b="0">
                 <a:latin typeface="Times New Roman" pitchFamily="18" charset="0"/>
                 <a:cs typeface="Times New Roman" pitchFamily="18" charset="0"/>
               </a:rPr>
-              <a:t>+ Start</a:t>
-            </a:r>
-            <a:r>
-              <a:rPr lang="en-US" b="0">
-                <a:latin typeface="Times New Roman" pitchFamily="18" charset="0"/>
-                <a:cs typeface="Times New Roman" pitchFamily="18" charset="0"/>
-              </a:rPr>
-              <a:t>(): </a:t>
-            </a:r>
-            <a:r>
-              <a:rPr lang="en-US" b="0" smtClean="0">
-                <a:latin typeface="Times New Roman" pitchFamily="18" charset="0"/>
-                <a:cs typeface="Times New Roman" pitchFamily="18" charset="0"/>
-              </a:rPr>
-              <a:t/>
-            </a:r>
-            <a:br>
-              <a:rPr lang="en-US" b="0" smtClean="0">
-                <a:latin typeface="Times New Roman" pitchFamily="18" charset="0"/>
-                <a:cs typeface="Times New Roman" pitchFamily="18" charset="0"/>
-              </a:rPr>
-            </a:br>
-            <a:r>
-              <a:rPr lang="en-US" b="0" smtClean="0">
-                <a:latin typeface="Times New Roman" pitchFamily="18" charset="0"/>
-                <a:cs typeface="Times New Roman" pitchFamily="18" charset="0"/>
-              </a:rPr>
-              <a:t>Được </a:t>
-            </a:r>
-            <a:r>
-              <a:rPr lang="en-US" b="0">
-                <a:latin typeface="Times New Roman" pitchFamily="18" charset="0"/>
-                <a:cs typeface="Times New Roman" pitchFamily="18" charset="0"/>
-              </a:rPr>
-              <a:t>gọi 1 lần đầu tiên sau khi khởi tạo đối tượng, trước khi vào </a:t>
-            </a:r>
-            <a:r>
-              <a:rPr lang="en-US" b="0">
-                <a:latin typeface="Times New Roman" pitchFamily="18" charset="0"/>
-                <a:cs typeface="Times New Roman" pitchFamily="18" charset="0"/>
-              </a:rPr>
-              <a:t>Update</a:t>
+              <a:t>gọi 1 lần đầu tiên sau khi khởi tạo đối tượng, trước khi vào Update</a:t>
             </a:r>
             <a:r>
               <a:rPr lang="en-US" b="0" smtClean="0">
@@ -6489,14 +6437,7 @@
                 <a:latin typeface="Times New Roman" pitchFamily="18" charset="0"/>
                 <a:cs typeface="Times New Roman" pitchFamily="18" charset="0"/>
               </a:rPr>
-              <a:t>+ Update</a:t>
-            </a:r>
-            <a:r>
-              <a:rPr lang="en-US" b="0">
-                <a:latin typeface="Times New Roman" pitchFamily="18" charset="0"/>
-                <a:cs typeface="Times New Roman" pitchFamily="18" charset="0"/>
-              </a:rPr>
-              <a:t>(): </a:t>
+              <a:t>+ Update(): </a:t>
             </a:r>
             <a:r>
               <a:rPr lang="en-US" b="0" smtClean="0">
@@ -6536,14 +6477,7 @@
                 <a:latin typeface="Times New Roman" pitchFamily="18" charset="0"/>
                 <a:cs typeface="Times New Roman" pitchFamily="18" charset="0"/>
               </a:rPr>
-              <a:t>+ OnWillRenderObject(): </a:t>
-            </a:r>
-            <a:r>
-              <a:rPr lang="en-US" b="0">
-                <a:latin typeface="Times New Roman" pitchFamily="18" charset="0"/>
-                <a:cs typeface="Times New Roman" pitchFamily="18" charset="0"/>
-              </a:rPr>
-              <a:t> </a:t>
+              <a:t>+ OnWillRenderObject():  </a:t>
             </a:r>
             <a:r>
               <a:rPr lang="en-US" b="0" smtClean="0">
@@ -6583,48 +6517,34 @@
                 <a:latin typeface="Times New Roman" pitchFamily="18" charset="0"/>
                 <a:cs typeface="Times New Roman" pitchFamily="18" charset="0"/>
               </a:rPr>
-              <a:t>+ OnDestroy</a:t>
+              <a:t>+ OnDestroy(): </a:t>
+            </a:r>
+            <a:r>
+              <a:rPr lang="en-US" b="0" smtClean="0">
+                <a:latin typeface="Times New Roman" pitchFamily="18" charset="0"/>
+                <a:cs typeface="Times New Roman" pitchFamily="18" charset="0"/>
+              </a:rPr>
+              <a:t/>
+            </a:r>
+            <a:br>
+              <a:rPr lang="en-US" b="0" smtClean="0">
+                <a:latin typeface="Times New Roman" pitchFamily="18" charset="0"/>
+                <a:cs typeface="Times New Roman" pitchFamily="18" charset="0"/>
+              </a:rPr>
+            </a:br>
+            <a:r>
+              <a:rPr lang="en-US" b="0" smtClean="0">
+                <a:latin typeface="Times New Roman" pitchFamily="18" charset="0"/>
+                <a:cs typeface="Times New Roman" pitchFamily="18" charset="0"/>
+              </a:rPr>
+              <a:t>Được </a:t>
             </a:r>
             <a:r>
               <a:rPr lang="en-US" b="0">
                 <a:latin typeface="Times New Roman" pitchFamily="18" charset="0"/>
                 <a:cs typeface="Times New Roman" pitchFamily="18" charset="0"/>
               </a:rPr>
-              <a:t>(): </a:t>
-            </a:r>
-            <a:r>
-              <a:rPr lang="en-US" b="0" smtClean="0">
-                <a:latin typeface="Times New Roman" pitchFamily="18" charset="0"/>
-                <a:cs typeface="Times New Roman" pitchFamily="18" charset="0"/>
-              </a:rPr>
-              <a:t/>
-            </a:r>
-            <a:br>
-              <a:rPr lang="en-US" b="0" smtClean="0">
-                <a:latin typeface="Times New Roman" pitchFamily="18" charset="0"/>
-                <a:cs typeface="Times New Roman" pitchFamily="18" charset="0"/>
-              </a:rPr>
-            </a:br>
-            <a:r>
-              <a:rPr lang="en-US" b="0" smtClean="0">
-                <a:latin typeface="Times New Roman" pitchFamily="18" charset="0"/>
-                <a:cs typeface="Times New Roman" pitchFamily="18" charset="0"/>
-              </a:rPr>
-              <a:t>Được </a:t>
-            </a:r>
-            <a:r>
-              <a:rPr lang="en-US" b="0">
-                <a:latin typeface="Times New Roman" pitchFamily="18" charset="0"/>
-                <a:cs typeface="Times New Roman" pitchFamily="18" charset="0"/>
-              </a:rPr>
-              <a:t>gọi khi đối tượng bị </a:t>
-            </a:r>
-            <a:r>
-              <a:rPr lang="en-US" b="0">
-                <a:latin typeface="Times New Roman" pitchFamily="18" charset="0"/>
-                <a:cs typeface="Times New Roman" pitchFamily="18" charset="0"/>
-              </a:rPr>
-              <a:t>huỷ</a:t>
+              <a:t>gọi khi đối tượng bị huỷ</a:t>
             </a:r>
             <a:r>
               <a:rPr lang="en-US" b="0" smtClean="0">
@@ -6957,14 +6877,7 @@
                 <a:latin typeface="Times New Roman" pitchFamily="18" charset="0"/>
                 <a:cs typeface="Times New Roman" pitchFamily="18" charset="0"/>
               </a:rPr>
-              <a:t>6</a:t>
-            </a:r>
-            <a:r>
-              <a:rPr lang="en-US" b="0">
-                <a:latin typeface="Times New Roman" pitchFamily="18" charset="0"/>
-                <a:cs typeface="Times New Roman" pitchFamily="18" charset="0"/>
-              </a:rPr>
-              <a:t>. </a:t>
+              <a:t>6. </a:t>
             </a:r>
             <a:r>
               <a:rPr lang="en-US" b="0" smtClean="0">
@@ -7085,13 +6998,6 @@
                 <a:cs typeface="Times New Roman" pitchFamily="18" charset="0"/>
               </a:rPr>
               <a:t>- gameObject.GetComponentComponentName&gt;() get Game Component được đính kèm trong gameObject hiện tại có thể là: Animator, Transform ...</a:t>
-            </a:r>
-            <a:r>
-              <a:rPr lang="en-US" b="0">
-                <a:latin typeface="Times New Roman" pitchFamily="18" charset="0"/>
-                <a:cs typeface="Times New Roman" pitchFamily="18" charset="0"/>
-              </a:rPr>
-              <a:t/>
             </a:r>
             <a:br>
               <a:rPr lang="en-US" b="0">
@@ -7219,28 +7125,7 @@
                 <a:latin typeface="Times New Roman" pitchFamily="18" charset="0"/>
                 <a:cs typeface="Times New Roman" pitchFamily="18" charset="0"/>
               </a:rPr>
-              <a:t>6</a:t>
-            </a:r>
-            <a:r>
-              <a:rPr lang="en-US" b="0">
-                <a:latin typeface="Times New Roman" pitchFamily="18" charset="0"/>
-                <a:cs typeface="Times New Roman" pitchFamily="18" charset="0"/>
-              </a:rPr>
-              <a:t>. </a:t>
-            </a:r>
-            <a:r>
-              <a:rPr lang="en-US" b="0">
-                <a:latin typeface="Times New Roman" pitchFamily="18" charset="0"/>
-                <a:cs typeface="Times New Roman" pitchFamily="18" charset="0"/>
-              </a:rPr>
-              <a:t>Điều khiển chuyển đổi </a:t>
-            </a:r>
-            <a:r>
-              <a:rPr lang="en-US" b="0">
-                <a:latin typeface="Times New Roman" pitchFamily="18" charset="0"/>
-                <a:cs typeface="Times New Roman" pitchFamily="18" charset="0"/>
-              </a:rPr>
-              <a:t>trạng </a:t>
+              <a:t>6. Điều khiển chuyển đổi trạng </a:t>
             </a:r>
             <a:r>
               <a:rPr lang="en-US" b="0" smtClean="0">
@@ -7442,14 +7327,7 @@
                 <a:latin typeface="Times New Roman" pitchFamily="18" charset="0"/>
                 <a:cs typeface="Times New Roman" pitchFamily="18" charset="0"/>
               </a:rPr>
-              <a:t>6</a:t>
-            </a:r>
-            <a:r>
-              <a:rPr lang="en-US" b="0">
-                <a:latin typeface="Times New Roman" pitchFamily="18" charset="0"/>
-                <a:cs typeface="Times New Roman" pitchFamily="18" charset="0"/>
-              </a:rPr>
-              <a:t>. </a:t>
+              <a:t>6. </a:t>
             </a:r>
             <a:r>
               <a:rPr lang="en-US" b="0" smtClean="0">
@@ -7580,14 +7458,7 @@
                 <a:latin typeface="Times New Roman" pitchFamily="18" charset="0"/>
                 <a:cs typeface="Times New Roman" pitchFamily="18" charset="0"/>
               </a:rPr>
-              <a:t>rigidbody2D.AddForce(Vector2 f): phương thức tác dụng một lực vào </a:t>
-            </a:r>
-            <a:r>
-              <a:rPr lang="en-US" b="0">
-                <a:latin typeface="Times New Roman" pitchFamily="18" charset="0"/>
-                <a:cs typeface="Times New Roman" pitchFamily="18" charset="0"/>
-              </a:rPr>
-              <a:t>đối </a:t>
+              <a:t>rigidbody2D.AddForce(Vector2 f): phương thức tác dụng một lực vào đối </a:t>
             </a:r>
             <a:r>
               <a:rPr lang="en-US" b="0" smtClean="0">
@@ -7919,14 +7790,7 @@
                 <a:latin typeface="Times New Roman" pitchFamily="18" charset="0"/>
                 <a:cs typeface="Times New Roman" pitchFamily="18" charset="0"/>
               </a:rPr>
-              <a:t>Giới thiệu </a:t>
-            </a:r>
-            <a:r>
-              <a:rPr lang="en-US" b="1">
-                <a:latin typeface="Times New Roman" pitchFamily="18" charset="0"/>
-                <a:cs typeface="Times New Roman" pitchFamily="18" charset="0"/>
-              </a:rPr>
-              <a:t>về </a:t>
+              <a:t>Giới thiệu về </a:t>
             </a:r>
             <a:r>
               <a:rPr lang="en-US" b="1" smtClean="0">
@@ -8079,14 +7943,7 @@
                 <a:latin typeface="Times New Roman" pitchFamily="18" charset="0"/>
                 <a:cs typeface="Times New Roman" pitchFamily="18" charset="0"/>
               </a:rPr>
-              <a:t>phiên bản miễn phí có thể chạy được trên Window và </a:t>
-            </a:r>
-            <a:r>
-              <a:rPr lang="en-US" b="0">
-                <a:latin typeface="Times New Roman" pitchFamily="18" charset="0"/>
-                <a:cs typeface="Times New Roman" pitchFamily="18" charset="0"/>
-              </a:rPr>
-              <a:t>Mac </a:t>
+              <a:t>phiên bản miễn phí có thể chạy được trên Window và Mac </a:t>
             </a:r>
             <a:r>
               <a:rPr lang="en-US" b="0" smtClean="0">
@@ -8174,6 +8031,173 @@
 </file>
 
 <file path=ppt/slides/slide20.xml><?xml version="1.0" encoding="utf-8"?>
+<p:sld xmlns:a="http://schemas.openxmlformats.org/drawingml/2006/main" xmlns:r="http://schemas.openxmlformats.org/officeDocument/2006/relationships" xmlns:p="http://schemas.openxmlformats.org/presentationml/2006/main">
+  <p:cSld>
+    <p:spTree>
+      <p:nvGrpSpPr>
+        <p:cNvPr id="1" name=""/>
+        <p:cNvGrpSpPr/>
+        <p:nvPr/>
+      </p:nvGrpSpPr>
+      <p:grpSpPr>
+        <a:xfrm>
+          <a:off x="0" y="0"/>
+          <a:ext cx="0" cy="0"/>
+          <a:chOff x="0" y="0"/>
+          <a:chExt cx="0" cy="0"/>
+        </a:xfrm>
+      </p:grpSpPr>
+      <p:sp>
+        <p:nvSpPr>
+          <p:cNvPr id="2" name="Title 1"/>
+          <p:cNvSpPr>
+            <a:spLocks noGrp="1"/>
+          </p:cNvSpPr>
+          <p:nvPr>
+            <p:ph type="title"/>
+          </p:nvPr>
+        </p:nvSpPr>
+        <p:spPr/>
+        <p:txBody>
+          <a:bodyPr/>
+          <a:lstStyle/>
+          <a:p>
+            <a:r>
+              <a:rPr lang="en-US" b="1"/>
+              <a:t>Các đối tượng cơ bản</a:t>
+            </a:r>
+          </a:p>
+        </p:txBody>
+      </p:sp>
+      <p:sp>
+        <p:nvSpPr>
+          <p:cNvPr id="3" name="Content Placeholder 2"/>
+          <p:cNvSpPr>
+            <a:spLocks noGrp="1"/>
+          </p:cNvSpPr>
+          <p:nvPr>
+            <p:ph idx="1"/>
+          </p:nvPr>
+        </p:nvSpPr>
+        <p:spPr>
+          <a:xfrm>
+            <a:off x="822960" y="1100628"/>
+            <a:ext cx="7330440" cy="5376372"/>
+          </a:xfrm>
+        </p:spPr>
+        <p:txBody>
+          <a:bodyPr>
+            <a:normAutofit/>
+          </a:bodyPr>
+          <a:lstStyle/>
+          <a:p>
+            <a:pPr marL="0" indent="0"/>
+            <a:r>
+              <a:rPr lang="en-US" b="0" smtClean="0">
+                <a:latin typeface="Times New Roman" pitchFamily="18" charset="0"/>
+                <a:cs typeface="Times New Roman" pitchFamily="18" charset="0"/>
+              </a:rPr>
+              <a:t>7. Text</a:t>
+            </a:r>
+          </a:p>
+          <a:p>
+            <a:pPr marL="0" indent="0"/>
+            <a:r>
+              <a:rPr lang="en-US" b="0" smtClean="0">
+                <a:latin typeface="Times New Roman" pitchFamily="18" charset="0"/>
+                <a:cs typeface="Times New Roman" pitchFamily="18" charset="0"/>
+              </a:rPr>
+              <a:t>GameObject </a:t>
+            </a:r>
+            <a:r>
+              <a:rPr lang="en-US" b="0" smtClean="0">
+                <a:latin typeface="Times New Roman" pitchFamily="18" charset="0"/>
+                <a:cs typeface="Times New Roman" pitchFamily="18" charset="0"/>
+                <a:sym typeface="Wingdings" pitchFamily="2" charset="2"/>
+              </a:rPr>
+              <a:t> GUI Text</a:t>
+            </a:r>
+          </a:p>
+          <a:p>
+            <a:pPr marL="0" indent="0"/>
+            <a:r>
+              <a:rPr lang="en-US" b="0" smtClean="0">
+                <a:latin typeface="Times New Roman" pitchFamily="18" charset="0"/>
+                <a:cs typeface="Times New Roman" pitchFamily="18" charset="0"/>
+                <a:sym typeface="Wingdings" pitchFamily="2" charset="2"/>
+              </a:rPr>
+              <a:t>Position nằm trong đoạn [0.1]</a:t>
+            </a:r>
+          </a:p>
+          <a:p>
+            <a:pPr marL="0" indent="0"/>
+            <a:r>
+              <a:rPr lang="en-US" b="0" smtClean="0">
+                <a:latin typeface="Times New Roman" pitchFamily="18" charset="0"/>
+                <a:cs typeface="Times New Roman" pitchFamily="18" charset="0"/>
+              </a:rPr>
+              <a:t/>
+            </a:r>
+            <a:br>
+              <a:rPr lang="en-US" b="0" smtClean="0">
+                <a:latin typeface="Times New Roman" pitchFamily="18" charset="0"/>
+                <a:cs typeface="Times New Roman" pitchFamily="18" charset="0"/>
+              </a:rPr>
+            </a:br>
+            <a:endParaRPr lang="en-US" b="0" smtClean="0">
+              <a:latin typeface="Times New Roman" pitchFamily="18" charset="0"/>
+              <a:cs typeface="Times New Roman" pitchFamily="18" charset="0"/>
+            </a:endParaRPr>
+          </a:p>
+        </p:txBody>
+      </p:sp>
+      <p:pic>
+        <p:nvPicPr>
+          <p:cNvPr id="6" name="Picture 5" descr="https://fbcdn-sphotos-a-a.akamaihd.net/hphotos-ak-ash3/t1.0-9/1888508_247199362119000_335154985_n.png"/>
+          <p:cNvPicPr/>
+          <p:nvPr/>
+        </p:nvPicPr>
+        <p:blipFill>
+          <a:blip r:embed="rId2">
+            <a:extLst>
+              <a:ext uri="{28A0092B-C50C-407E-A947-70E740481C1C}">
+                <a14:useLocalDpi xmlns:a14="http://schemas.microsoft.com/office/drawing/2010/main" val="0"/>
+              </a:ext>
+            </a:extLst>
+          </a:blip>
+          <a:srcRect/>
+          <a:stretch>
+            <a:fillRect/>
+          </a:stretch>
+        </p:blipFill>
+        <p:spPr bwMode="auto">
+          <a:xfrm>
+            <a:off x="5410200" y="1143000"/>
+            <a:ext cx="2905125" cy="1685925"/>
+          </a:xfrm>
+          <a:prstGeom prst="rect">
+            <a:avLst/>
+          </a:prstGeom>
+          <a:noFill/>
+          <a:ln>
+            <a:noFill/>
+          </a:ln>
+        </p:spPr>
+      </p:pic>
+    </p:spTree>
+    <p:extLst>
+      <p:ext uri="{BB962C8B-B14F-4D97-AF65-F5344CB8AC3E}">
+        <p14:creationId xmlns:p14="http://schemas.microsoft.com/office/powerpoint/2010/main" val="3813259496"/>
+      </p:ext>
+    </p:extLst>
+  </p:cSld>
+  <p:clrMapOvr>
+    <a:masterClrMapping/>
+  </p:clrMapOvr>
+</p:sld>
+</file>
+
+<file path=ppt/slides/slide21.xml><?xml version="1.0" encoding="utf-8"?>
 <p:sld xmlns:a="http://schemas.openxmlformats.org/drawingml/2006/main" xmlns:r="http://schemas.openxmlformats.org/officeDocument/2006/relationships" xmlns:p="http://schemas.openxmlformats.org/presentationml/2006/main">
   <p:cSld>
     <p:spTree>
@@ -9066,10 +9090,6 @@
               </a:rPr>
               <a:t>Animations, Prefabs, Scripts, Sprites, Sounds, Scenes</a:t>
             </a:r>
-            <a:endParaRPr lang="en-US" b="0">
-              <a:latin typeface="Times New Roman" pitchFamily="18" charset="0"/>
-              <a:cs typeface="Times New Roman" pitchFamily="18" charset="0"/>
-            </a:endParaRPr>
           </a:p>
         </p:txBody>
       </p:sp>

--- a/unity/unity.pptx
+++ b/unity/unity.pptx
@@ -8128,6 +8128,83 @@
               </a:rPr>
               <a:t>Position nằm trong đoạn [0.1]</a:t>
             </a:r>
+          </a:p>
+          <a:p>
+            <a:pPr marL="0" indent="0"/>
+            <a:endParaRPr lang="en-US" b="0">
+              <a:latin typeface="Times New Roman" pitchFamily="18" charset="0"/>
+              <a:cs typeface="Times New Roman" pitchFamily="18" charset="0"/>
+              <a:sym typeface="Wingdings" pitchFamily="2" charset="2"/>
+            </a:endParaRPr>
+          </a:p>
+          <a:p>
+            <a:pPr marL="0" indent="0"/>
+            <a:endParaRPr lang="en-US" b="0" smtClean="0">
+              <a:latin typeface="Times New Roman" pitchFamily="18" charset="0"/>
+              <a:cs typeface="Times New Roman" pitchFamily="18" charset="0"/>
+              <a:sym typeface="Wingdings" pitchFamily="2" charset="2"/>
+            </a:endParaRPr>
+          </a:p>
+          <a:p>
+            <a:pPr marL="0" indent="0"/>
+            <a:endParaRPr lang="en-US" b="0">
+              <a:latin typeface="Times New Roman" pitchFamily="18" charset="0"/>
+              <a:cs typeface="Times New Roman" pitchFamily="18" charset="0"/>
+              <a:sym typeface="Wingdings" pitchFamily="2" charset="2"/>
+            </a:endParaRPr>
+          </a:p>
+          <a:p>
+            <a:pPr marL="0" indent="0"/>
+            <a:r>
+              <a:rPr lang="en-US" b="0" smtClean="0">
+                <a:latin typeface="Times New Roman" pitchFamily="18" charset="0"/>
+                <a:cs typeface="Times New Roman" pitchFamily="18" charset="0"/>
+                <a:sym typeface="Wingdings" pitchFamily="2" charset="2"/>
+              </a:rPr>
+              <a:t>8. Paraticle System</a:t>
+            </a:r>
+          </a:p>
+          <a:p>
+            <a:pPr marL="0" indent="0"/>
+            <a:r>
+              <a:rPr lang="en-US" b="0" smtClean="0">
+                <a:latin typeface="Times New Roman" pitchFamily="18" charset="0"/>
+                <a:cs typeface="Times New Roman" pitchFamily="18" charset="0"/>
+                <a:sym typeface="Wingdings" pitchFamily="2" charset="2"/>
+              </a:rPr>
+              <a:t>Là kỹ thuật tạo hiệu ứn cháy nổ, sương hay khói.</a:t>
+            </a:r>
+          </a:p>
+          <a:p>
+            <a:pPr marL="0" indent="0"/>
+            <a:r>
+              <a:rPr lang="en-US" b="0" smtClean="0">
+                <a:latin typeface="Times New Roman" pitchFamily="18" charset="0"/>
+                <a:cs typeface="Times New Roman" pitchFamily="18" charset="0"/>
+                <a:sym typeface="Wingdings" pitchFamily="2" charset="2"/>
+              </a:rPr>
+              <a:t>Có 2 loại là có sẵn và tự tạo.</a:t>
+            </a:r>
+          </a:p>
+          <a:p>
+            <a:pPr marL="0" indent="0"/>
+            <a:r>
+              <a:rPr lang="en-US"/>
+              <a:t>Menu/Game Object/Create Other/Particle System </a:t>
+            </a:r>
+            <a:endParaRPr lang="en-US" b="0" smtClean="0">
+              <a:latin typeface="Times New Roman" pitchFamily="18" charset="0"/>
+              <a:cs typeface="Times New Roman" pitchFamily="18" charset="0"/>
+              <a:sym typeface="Wingdings" pitchFamily="2" charset="2"/>
+            </a:endParaRPr>
+          </a:p>
+          <a:p>
+            <a:pPr marL="0" indent="0"/>
+            <a:endParaRPr lang="en-US" b="0" smtClean="0">
+              <a:latin typeface="Times New Roman" pitchFamily="18" charset="0"/>
+              <a:cs typeface="Times New Roman" pitchFamily="18" charset="0"/>
+              <a:sym typeface="Wingdings" pitchFamily="2" charset="2"/>
+            </a:endParaRPr>
           </a:p>
           <a:p>
             <a:pPr marL="0" indent="0"/>
